--- a/Songs/Before The Throne Of God Above/Before The Throne Of God Above.pptx
+++ b/Songs/Before The Throne Of God Above/Before The Throne Of God Above.pptx
@@ -11,10 +11,10 @@
     <p:sldId id="261" r:id="rId2"/>
     <p:sldId id="259" r:id="rId3"/>
     <p:sldId id="468" r:id="rId4"/>
-    <p:sldId id="470" r:id="rId5"/>
-    <p:sldId id="356" r:id="rId6"/>
-    <p:sldId id="357" r:id="rId7"/>
-    <p:sldId id="478" r:id="rId8"/>
+    <p:sldId id="479" r:id="rId5"/>
+    <p:sldId id="357" r:id="rId6"/>
+    <p:sldId id="478" r:id="rId7"/>
+    <p:sldId id="480" r:id="rId8"/>
     <p:sldId id="359" r:id="rId9"/>
     <p:sldId id="476" r:id="rId10"/>
     <p:sldId id="477" r:id="rId11"/>
@@ -206,7 +206,7 @@
           <a:p>
             <a:fld id="{A9384D19-4441-405A-A897-182ECCA016BA}" type="datetimeFigureOut">
               <a:rPr lang="en-AU" smtClean="0"/>
-              <a:t>27/10/2023</a:t>
+              <a:t>18/11/2023</a:t>
             </a:fld>
             <a:endParaRPr lang="en-AU"/>
           </a:p>
@@ -999,7 +999,7 @@
     </p:spTree>
     <p:extLst>
       <p:ext uri="{BB962C8B-B14F-4D97-AF65-F5344CB8AC3E}">
-        <p14:creationId xmlns:p14="http://schemas.microsoft.com/office/powerpoint/2010/main" val="2608113703"/>
+        <p14:creationId xmlns:p14="http://schemas.microsoft.com/office/powerpoint/2010/main" val="723534207"/>
       </p:ext>
     </p:extLst>
   </p:cSld>
@@ -1108,7 +1108,7 @@
     </p:spTree>
     <p:extLst>
       <p:ext uri="{BB962C8B-B14F-4D97-AF65-F5344CB8AC3E}">
-        <p14:creationId xmlns:p14="http://schemas.microsoft.com/office/powerpoint/2010/main" val="12261583"/>
+        <p14:creationId xmlns:p14="http://schemas.microsoft.com/office/powerpoint/2010/main" val="2430232485"/>
       </p:ext>
     </p:extLst>
   </p:cSld>
@@ -1217,7 +1217,7 @@
     </p:spTree>
     <p:extLst>
       <p:ext uri="{BB962C8B-B14F-4D97-AF65-F5344CB8AC3E}">
-        <p14:creationId xmlns:p14="http://schemas.microsoft.com/office/powerpoint/2010/main" val="2430232485"/>
+        <p14:creationId xmlns:p14="http://schemas.microsoft.com/office/powerpoint/2010/main" val="1702113226"/>
       </p:ext>
     </p:extLst>
   </p:cSld>
@@ -1326,7 +1326,7 @@
     </p:spTree>
     <p:extLst>
       <p:ext uri="{BB962C8B-B14F-4D97-AF65-F5344CB8AC3E}">
-        <p14:creationId xmlns:p14="http://schemas.microsoft.com/office/powerpoint/2010/main" val="1702113226"/>
+        <p14:creationId xmlns:p14="http://schemas.microsoft.com/office/powerpoint/2010/main" val="636579083"/>
       </p:ext>
     </p:extLst>
   </p:cSld>
@@ -1717,7 +1717,7 @@
           <a:p>
             <a:fld id="{1160EA64-D806-43AC-9DF2-F8C432F32B4C}" type="datetimeFigureOut">
               <a:rPr lang="en-US" dirty="0"/>
-              <a:t>10/27/23</a:t>
+              <a:t>11/18/23</a:t>
             </a:fld>
             <a:endParaRPr lang="en-US" dirty="0"/>
           </a:p>
@@ -1889,7 +1889,7 @@
           <a:p>
             <a:fld id="{E9F9C37B-1D36-470B-8223-D6C91242EC14}" type="datetimeFigureOut">
               <a:rPr lang="en-US" dirty="0"/>
-              <a:t>10/27/23</a:t>
+              <a:t>11/18/23</a:t>
             </a:fld>
             <a:endParaRPr lang="en-US" dirty="0"/>
           </a:p>
@@ -2070,7 +2070,7 @@
           <a:p>
             <a:fld id="{67C6F52A-A82B-47A2-A83A-8C4C91F2D59F}" type="datetimeFigureOut">
               <a:rPr lang="en-US" dirty="0"/>
-              <a:t>10/27/23</a:t>
+              <a:t>11/18/23</a:t>
             </a:fld>
             <a:endParaRPr lang="en-US" dirty="0"/>
           </a:p>
@@ -5852,7 +5852,7 @@
           <a:p>
             <a:fld id="{F070A7B3-6521-4DCA-87E5-044747A908C1}" type="datetimeFigureOut">
               <a:rPr lang="en-US" dirty="0"/>
-              <a:t>10/27/23</a:t>
+              <a:t>11/18/23</a:t>
             </a:fld>
             <a:endParaRPr lang="en-US" dirty="0"/>
           </a:p>
@@ -6122,7 +6122,7 @@
           <a:p>
             <a:fld id="{1160EA64-D806-43AC-9DF2-F8C432F32B4C}" type="datetimeFigureOut">
               <a:rPr lang="en-US" dirty="0"/>
-              <a:t>10/27/23</a:t>
+              <a:t>11/18/23</a:t>
             </a:fld>
             <a:endParaRPr lang="en-US" dirty="0"/>
           </a:p>
@@ -6356,7 +6356,7 @@
           <a:p>
             <a:fld id="{AB134690-1557-4C89-A502-4959FE7FAD70}" type="datetimeFigureOut">
               <a:rPr lang="en-US" dirty="0"/>
-              <a:t>10/27/23</a:t>
+              <a:t>11/18/23</a:t>
             </a:fld>
             <a:endParaRPr lang="en-US" dirty="0"/>
           </a:p>
@@ -6716,7 +6716,7 @@
           <a:p>
             <a:fld id="{4F7D4976-E339-4826-83B7-FBD03F55ECF8}" type="datetimeFigureOut">
               <a:rPr lang="en-US" dirty="0"/>
-              <a:t>10/27/23</a:t>
+              <a:t>11/18/23</a:t>
             </a:fld>
             <a:endParaRPr lang="en-US" dirty="0"/>
           </a:p>
@@ -6858,7 +6858,7 @@
           <a:p>
             <a:fld id="{E1037C31-9E7A-4F99-8774-A0E530DE1A42}" type="datetimeFigureOut">
               <a:rPr lang="en-US" dirty="0"/>
-              <a:t>10/27/23</a:t>
+              <a:t>11/18/23</a:t>
             </a:fld>
             <a:endParaRPr lang="en-US" dirty="0"/>
           </a:p>
@@ -6954,7 +6954,7 @@
           <a:p>
             <a:fld id="{C278504F-A551-4DE0-9316-4DCD1D8CC752}" type="datetimeFigureOut">
               <a:rPr lang="en-US" dirty="0"/>
-              <a:t>10/27/23</a:t>
+              <a:t>11/18/23</a:t>
             </a:fld>
             <a:endParaRPr lang="en-US" dirty="0"/>
           </a:p>
@@ -7311,7 +7311,7 @@
           <a:p>
             <a:fld id="{D1BE4249-C0D0-4B06-8692-E8BB871AF643}" type="datetimeFigureOut">
               <a:rPr lang="en-US" dirty="0"/>
-              <a:t>10/27/23</a:t>
+              <a:t>11/18/23</a:t>
             </a:fld>
             <a:endParaRPr lang="en-US" dirty="0"/>
           </a:p>
@@ -7669,7 +7669,7 @@
           <a:p>
             <a:fld id="{042B0DB6-F5C7-45FB-8CF3-31B45F9C2DAC}" type="datetimeFigureOut">
               <a:rPr lang="en-US" dirty="0"/>
-              <a:t>10/27/23</a:t>
+              <a:t>11/18/23</a:t>
             </a:fld>
             <a:endParaRPr lang="en-US" dirty="0"/>
           </a:p>
@@ -7912,7 +7912,7 @@
           <a:p>
             <a:fld id="{1160EA64-D806-43AC-9DF2-F8C432F32B4C}" type="datetimeFigureOut">
               <a:rPr lang="en-US" dirty="0"/>
-              <a:t>10/27/23</a:t>
+              <a:t>11/18/23</a:t>
             </a:fld>
             <a:endParaRPr lang="en-US" dirty="0"/>
           </a:p>
@@ -8709,6 +8709,34 @@
               <a:t>Verse 1 </a:t>
             </a:r>
           </a:p>
+          <a:p>
+            <a:pPr marL="0" indent="0"/>
+            <a:r>
+              <a:rPr lang="en-US" sz="4267" dirty="0"/>
+              <a:t>Before the throne of God above</a:t>
+            </a:r>
+          </a:p>
+          <a:p>
+            <a:pPr marL="0" indent="0"/>
+            <a:r>
+              <a:rPr lang="en-US" sz="4267" dirty="0"/>
+              <a:t>I have a strong and perfect plea</a:t>
+            </a:r>
+          </a:p>
+          <a:p>
+            <a:pPr marL="0" indent="0"/>
+            <a:r>
+              <a:rPr lang="en-US" sz="4267" dirty="0"/>
+              <a:t>A great high priest whose name is Love</a:t>
+            </a:r>
+          </a:p>
+          <a:p>
+            <a:pPr marL="0" indent="0"/>
+            <a:r>
+              <a:rPr lang="en-US" sz="4267" dirty="0"/>
+              <a:t>Who ever lives and pleads for me</a:t>
+            </a:r>
+          </a:p>
         </p:txBody>
       </p:sp>
     </p:spTree>
@@ -8765,6 +8793,41 @@
             <a:r>
               <a:rPr lang="en-US" sz="4267" dirty="0"/>
               <a:t>Verse 1 </a:t>
+            </a:r>
+          </a:p>
+          <a:p>
+            <a:pPr marL="0" indent="0"/>
+            <a:r>
+              <a:rPr lang="en-US" sz="4267" dirty="0"/>
+              <a:t>My name is graven on His hands</a:t>
+            </a:r>
+          </a:p>
+          <a:p>
+            <a:pPr marL="0" indent="0"/>
+            <a:r>
+              <a:rPr lang="en-US" sz="4267" dirty="0"/>
+              <a:t>My name is written on His heart</a:t>
+            </a:r>
+          </a:p>
+          <a:p>
+            <a:pPr marL="0" indent="0"/>
+            <a:r>
+              <a:rPr lang="en-US" sz="4267" dirty="0"/>
+              <a:t>I know that while in Heaven He stands</a:t>
+            </a:r>
+          </a:p>
+          <a:p>
+            <a:pPr marL="0" indent="0"/>
+            <a:r>
+              <a:rPr lang="en-US" sz="4267" dirty="0"/>
+              <a:t>No tongue can bid me thence depart</a:t>
+            </a:r>
+          </a:p>
+          <a:p>
+            <a:pPr marL="0" indent="0"/>
+            <a:r>
+              <a:rPr lang="en-US" sz="4267" dirty="0"/>
+              <a:t>No tongue can bid me thence depart</a:t>
             </a:r>
           </a:p>
         </p:txBody>
@@ -8826,17 +8889,44 @@
           <a:p>
             <a:pPr marL="0" indent="0"/>
             <a:r>
-              <a:rPr lang="en-US" sz="4267" dirty="0" err="1"/>
-              <a:t>Prechorus</a:t>
-            </a:r>
-            <a:endParaRPr lang="en-US" sz="4267" dirty="0"/>
+              <a:rPr lang="en-US" sz="4267" dirty="0"/>
+              <a:t>Verse 2</a:t>
+            </a:r>
+          </a:p>
+          <a:p>
+            <a:pPr marL="0" indent="0"/>
+            <a:r>
+              <a:rPr lang="en-US" sz="4267" dirty="0"/>
+              <a:t>When Satan tempts me to despair</a:t>
+            </a:r>
+          </a:p>
+          <a:p>
+            <a:pPr marL="0" indent="0"/>
+            <a:r>
+              <a:rPr lang="en-US" sz="4267" dirty="0"/>
+              <a:t>And tells me of the guilt within</a:t>
+            </a:r>
+          </a:p>
+          <a:p>
+            <a:pPr marL="0" indent="0"/>
+            <a:r>
+              <a:rPr lang="en-US" sz="4267" dirty="0"/>
+              <a:t>Upward I look and see Him there</a:t>
+            </a:r>
+          </a:p>
+          <a:p>
+            <a:pPr marL="0" indent="0"/>
+            <a:r>
+              <a:rPr lang="en-US" sz="4267" dirty="0"/>
+              <a:t>Who made an end of all my sin</a:t>
+            </a:r>
           </a:p>
         </p:txBody>
       </p:sp>
     </p:spTree>
     <p:extLst>
       <p:ext uri="{BB962C8B-B14F-4D97-AF65-F5344CB8AC3E}">
-        <p14:creationId xmlns:p14="http://schemas.microsoft.com/office/powerpoint/2010/main" val="1346762501"/>
+        <p14:creationId xmlns:p14="http://schemas.microsoft.com/office/powerpoint/2010/main" val="3006660357"/>
       </p:ext>
     </p:extLst>
   </p:cSld>
@@ -8875,7 +8965,7 @@
         </p:nvSpPr>
         <p:spPr>
           <a:xfrm>
-            <a:off x="295073" y="329119"/>
+            <a:off x="304801" y="369651"/>
             <a:ext cx="11601855" cy="6199763"/>
           </a:xfrm>
           <a:prstGeom prst="rect">
@@ -8891,7 +8981,42 @@
             <a:pPr marL="0" indent="0"/>
             <a:r>
               <a:rPr lang="en-US" sz="4267" dirty="0"/>
-              <a:t>Chorus </a:t>
+              <a:t>Verse 2</a:t>
+            </a:r>
+          </a:p>
+          <a:p>
+            <a:pPr marL="0" indent="0"/>
+            <a:r>
+              <a:rPr lang="en-US" sz="4267" dirty="0"/>
+              <a:t>Because a sinless Savior died</a:t>
+            </a:r>
+          </a:p>
+          <a:p>
+            <a:pPr marL="0" indent="0"/>
+            <a:r>
+              <a:rPr lang="en-US" sz="4267" dirty="0"/>
+              <a:t>My sinful soul is counted free</a:t>
+            </a:r>
+          </a:p>
+          <a:p>
+            <a:pPr marL="0" indent="0"/>
+            <a:r>
+              <a:rPr lang="en-US" sz="4267" dirty="0"/>
+              <a:t>For God the just is satisfied</a:t>
+            </a:r>
+          </a:p>
+          <a:p>
+            <a:pPr marL="0" indent="0"/>
+            <a:r>
+              <a:rPr lang="en-US" sz="4267" dirty="0"/>
+              <a:t>To look on Him and pardon me</a:t>
+            </a:r>
+          </a:p>
+          <a:p>
+            <a:pPr marL="0" indent="0"/>
+            <a:r>
+              <a:rPr lang="en-US" sz="4267" dirty="0"/>
+              <a:t>To look on Him and pardon me</a:t>
             </a:r>
           </a:p>
         </p:txBody>
@@ -8899,7 +9024,7 @@
     </p:spTree>
     <p:extLst>
       <p:ext uri="{BB962C8B-B14F-4D97-AF65-F5344CB8AC3E}">
-        <p14:creationId xmlns:p14="http://schemas.microsoft.com/office/powerpoint/2010/main" val="1616820011"/>
+        <p14:creationId xmlns:p14="http://schemas.microsoft.com/office/powerpoint/2010/main" val="1390980916"/>
       </p:ext>
     </p:extLst>
   </p:cSld>
@@ -8938,7 +9063,7 @@
         </p:nvSpPr>
         <p:spPr>
           <a:xfrm>
-            <a:off x="304801" y="369651"/>
+            <a:off x="295073" y="329119"/>
             <a:ext cx="11601855" cy="6199763"/>
           </a:xfrm>
           <a:prstGeom prst="rect">
@@ -8954,7 +9079,35 @@
             <a:pPr marL="0" indent="0"/>
             <a:r>
               <a:rPr lang="en-US" sz="4267" dirty="0"/>
-              <a:t>Verse 2</a:t>
+              <a:t>Chorus </a:t>
+            </a:r>
+          </a:p>
+          <a:p>
+            <a:pPr marL="0" indent="0"/>
+            <a:r>
+              <a:rPr lang="en-US" sz="4267" dirty="0"/>
+              <a:t>Hallelujah, Hallelujah</a:t>
+            </a:r>
+          </a:p>
+          <a:p>
+            <a:pPr marL="0" indent="0"/>
+            <a:r>
+              <a:rPr lang="en-US" sz="4267" dirty="0"/>
+              <a:t>Praise the One, risen Son of God</a:t>
+            </a:r>
+          </a:p>
+          <a:p>
+            <a:pPr marL="0" indent="0"/>
+            <a:r>
+              <a:rPr lang="en-US" sz="4267" dirty="0"/>
+              <a:t>Behold Him the risen Lamb</a:t>
+            </a:r>
+          </a:p>
+          <a:p>
+            <a:pPr marL="0" indent="0"/>
+            <a:r>
+              <a:rPr lang="en-US" sz="4267" dirty="0"/>
+              <a:t>My perfect spotless righteousness</a:t>
             </a:r>
           </a:p>
         </p:txBody>
@@ -8962,7 +9115,7 @@
     </p:spTree>
     <p:extLst>
       <p:ext uri="{BB962C8B-B14F-4D97-AF65-F5344CB8AC3E}">
-        <p14:creationId xmlns:p14="http://schemas.microsoft.com/office/powerpoint/2010/main" val="1390980916"/>
+        <p14:creationId xmlns:p14="http://schemas.microsoft.com/office/powerpoint/2010/main" val="3549348934"/>
       </p:ext>
     </p:extLst>
   </p:cSld>
@@ -9020,12 +9173,40 @@
               <a:t>Chorus </a:t>
             </a:r>
           </a:p>
+          <a:p>
+            <a:pPr marL="0" indent="0"/>
+            <a:r>
+              <a:rPr lang="en-US" sz="4267" dirty="0"/>
+              <a:t>The great unchangeable I am</a:t>
+            </a:r>
+          </a:p>
+          <a:p>
+            <a:pPr marL="0" indent="0"/>
+            <a:r>
+              <a:rPr lang="en-US" sz="4267" dirty="0"/>
+              <a:t>The King of glory and of grace</a:t>
+            </a:r>
+          </a:p>
+          <a:p>
+            <a:pPr marL="0" indent="0"/>
+            <a:r>
+              <a:rPr lang="en-US" sz="4267" dirty="0"/>
+              <a:t>One in Himself, I cannot die</a:t>
+            </a:r>
+          </a:p>
+          <a:p>
+            <a:pPr marL="0" indent="0"/>
+            <a:r>
+              <a:rPr lang="en-US" sz="4267" dirty="0"/>
+              <a:t>My soul is purchased by His blood</a:t>
+            </a:r>
+          </a:p>
         </p:txBody>
       </p:sp>
     </p:spTree>
     <p:extLst>
       <p:ext uri="{BB962C8B-B14F-4D97-AF65-F5344CB8AC3E}">
-        <p14:creationId xmlns:p14="http://schemas.microsoft.com/office/powerpoint/2010/main" val="3549348934"/>
+        <p14:creationId xmlns:p14="http://schemas.microsoft.com/office/powerpoint/2010/main" val="1101553012"/>
       </p:ext>
     </p:extLst>
   </p:cSld>
@@ -9081,6 +9262,27 @@
             <a:r>
               <a:rPr lang="en-US" sz="4267" dirty="0"/>
               <a:t>Bridge</a:t>
+            </a:r>
+          </a:p>
+          <a:p>
+            <a:pPr marL="0" indent="0"/>
+            <a:r>
+              <a:rPr lang="en-US" sz="4267" dirty="0"/>
+              <a:t>My life is hid with Christ on high</a:t>
+            </a:r>
+          </a:p>
+          <a:p>
+            <a:pPr marL="0" indent="0"/>
+            <a:r>
+              <a:rPr lang="en-US" sz="4267" dirty="0"/>
+              <a:t>With Christ, my Savior and my God</a:t>
+            </a:r>
+          </a:p>
+          <a:p>
+            <a:pPr marL="0" indent="0"/>
+            <a:r>
+              <a:rPr lang="en-US" sz="4267" dirty="0"/>
+              <a:t>With Christ, my Savior and my God</a:t>
             </a:r>
           </a:p>
         </p:txBody>
